--- a/Module01_Introduction/ExempleImportationAutomatique.pptx
+++ b/Module01_Introduction/ExempleImportationAutomatique.pptx
@@ -7,6 +7,7 @@
   <p:sldIdLst>
     <p:sldId id="256" r:id="rId2"/>
     <p:sldId id="257" r:id="rId3"/>
+    <p:sldId id="258" r:id="rId4"/>
   </p:sldIdLst>
   <p:sldSz cx="12192000" cy="6858000"/>
   <p:notesSz cx="6858000" cy="9144000"/>
@@ -4532,6 +4533,264 @@
     <p:extLst>
       <p:ext uri="{BB962C8B-B14F-4D97-AF65-F5344CB8AC3E}">
         <p14:creationId xmlns:p14="http://schemas.microsoft.com/office/powerpoint/2010/main" val="3807630570"/>
+      </p:ext>
+    </p:extLst>
+  </p:cSld>
+  <p:clrMapOvr>
+    <a:masterClrMapping/>
+  </p:clrMapOvr>
+</p:sld>
+</file>
+
+<file path=ppt/slides/slide3.xml><?xml version="1.0" encoding="utf-8"?>
+<p:sld xmlns:a="http://schemas.openxmlformats.org/drawingml/2006/main" xmlns:r="http://schemas.openxmlformats.org/officeDocument/2006/relationships" xmlns:p="http://schemas.openxmlformats.org/presentationml/2006/main">
+  <p:cSld>
+    <p:spTree>
+      <p:nvGrpSpPr>
+        <p:cNvPr id="1" name=""/>
+        <p:cNvGrpSpPr/>
+        <p:nvPr/>
+      </p:nvGrpSpPr>
+      <p:grpSpPr>
+        <a:xfrm>
+          <a:off x="0" y="0"/>
+          <a:ext cx="0" cy="0"/>
+          <a:chOff x="0" y="0"/>
+          <a:chExt cx="0" cy="0"/>
+        </a:xfrm>
+      </p:grpSpPr>
+      <p:pic>
+        <p:nvPicPr>
+          <p:cNvPr id="4" name="Graphique 3" descr="Document avec un remplissage uni">
+            <a:extLst>
+              <a:ext uri="{FF2B5EF4-FFF2-40B4-BE49-F238E27FC236}">
+                <a16:creationId xmlns:a16="http://schemas.microsoft.com/office/drawing/2014/main" id="{A381E495-C881-1BD4-6BCB-8402E4EF34A4}"/>
+              </a:ext>
+            </a:extLst>
+          </p:cNvPr>
+          <p:cNvPicPr>
+            <a:picLocks noChangeAspect="1"/>
+          </p:cNvPicPr>
+          <p:nvPr/>
+        </p:nvPicPr>
+        <p:blipFill>
+          <a:blip r:embed="rId2">
+            <a:extLst>
+              <a:ext uri="{96DAC541-7B7A-43D3-8B79-37D633B846F1}">
+                <asvg:svgBlip xmlns:asvg="http://schemas.microsoft.com/office/drawing/2016/SVG/main" r:embed="rId3"/>
+              </a:ext>
+            </a:extLst>
+          </a:blip>
+          <a:stretch>
+            <a:fillRect/>
+          </a:stretch>
+        </p:blipFill>
+        <p:spPr>
+          <a:xfrm>
+            <a:off x="3308958" y="1528175"/>
+            <a:ext cx="914400" cy="914400"/>
+          </a:xfrm>
+          <a:prstGeom prst="rect">
+            <a:avLst/>
+          </a:prstGeom>
+        </p:spPr>
+      </p:pic>
+      <p:pic>
+        <p:nvPicPr>
+          <p:cNvPr id="5" name="Graphique 4" descr="Single gear contour">
+            <a:extLst>
+              <a:ext uri="{FF2B5EF4-FFF2-40B4-BE49-F238E27FC236}">
+                <a16:creationId xmlns:a16="http://schemas.microsoft.com/office/drawing/2014/main" id="{A3A7D68F-3312-D921-D2B5-51619CF03C6F}"/>
+              </a:ext>
+            </a:extLst>
+          </p:cNvPr>
+          <p:cNvPicPr>
+            <a:picLocks noChangeAspect="1"/>
+          </p:cNvPicPr>
+          <p:nvPr/>
+        </p:nvPicPr>
+        <p:blipFill>
+          <a:blip r:embed="rId4">
+            <a:extLst>
+              <a:ext uri="{96DAC541-7B7A-43D3-8B79-37D633B846F1}">
+                <asvg:svgBlip xmlns:asvg="http://schemas.microsoft.com/office/drawing/2016/SVG/main" r:embed="rId5"/>
+              </a:ext>
+            </a:extLst>
+          </a:blip>
+          <a:stretch>
+            <a:fillRect/>
+          </a:stretch>
+        </p:blipFill>
+        <p:spPr>
+          <a:xfrm>
+            <a:off x="4530246" y="1543833"/>
+            <a:ext cx="914400" cy="914400"/>
+          </a:xfrm>
+          <a:prstGeom prst="rect">
+            <a:avLst/>
+          </a:prstGeom>
+        </p:spPr>
+      </p:pic>
+      <p:cxnSp>
+        <p:nvCxnSpPr>
+          <p:cNvPr id="6" name="Connecteur droit avec flèche 5">
+            <a:extLst>
+              <a:ext uri="{FF2B5EF4-FFF2-40B4-BE49-F238E27FC236}">
+                <a16:creationId xmlns:a16="http://schemas.microsoft.com/office/drawing/2014/main" id="{370DFE18-F8A8-5B90-9D73-E6FCDAD970BD}"/>
+              </a:ext>
+            </a:extLst>
+          </p:cNvPr>
+          <p:cNvCxnSpPr>
+            <a:cxnSpLocks/>
+          </p:cNvCxnSpPr>
+          <p:nvPr/>
+        </p:nvCxnSpPr>
+        <p:spPr>
+          <a:xfrm>
+            <a:off x="4223358" y="2001033"/>
+            <a:ext cx="1663875" cy="0"/>
+          </a:xfrm>
+          <a:prstGeom prst="straightConnector1">
+            <a:avLst/>
+          </a:prstGeom>
+          <a:ln>
+            <a:tailEnd type="triangle"/>
+          </a:ln>
+        </p:spPr>
+        <p:style>
+          <a:lnRef idx="2">
+            <a:schemeClr val="accent1"/>
+          </a:lnRef>
+          <a:fillRef idx="0">
+            <a:schemeClr val="accent1"/>
+          </a:fillRef>
+          <a:effectRef idx="1">
+            <a:schemeClr val="accent1"/>
+          </a:effectRef>
+          <a:fontRef idx="minor">
+            <a:schemeClr val="tx1"/>
+          </a:fontRef>
+        </p:style>
+      </p:cxnSp>
+      <p:pic>
+        <p:nvPicPr>
+          <p:cNvPr id="8" name="Graphique 7" descr="Database contour">
+            <a:extLst>
+              <a:ext uri="{FF2B5EF4-FFF2-40B4-BE49-F238E27FC236}">
+                <a16:creationId xmlns:a16="http://schemas.microsoft.com/office/drawing/2014/main" id="{EB79A914-B699-05A2-8049-54F2307E32E0}"/>
+              </a:ext>
+            </a:extLst>
+          </p:cNvPr>
+          <p:cNvPicPr>
+            <a:picLocks noChangeAspect="1"/>
+          </p:cNvPicPr>
+          <p:nvPr/>
+        </p:nvPicPr>
+        <p:blipFill>
+          <a:blip r:embed="rId6">
+            <a:extLst>
+              <a:ext uri="{96DAC541-7B7A-43D3-8B79-37D633B846F1}">
+                <asvg:svgBlip xmlns:asvg="http://schemas.microsoft.com/office/drawing/2016/SVG/main" r:embed="rId7"/>
+              </a:ext>
+            </a:extLst>
+          </a:blip>
+          <a:stretch>
+            <a:fillRect/>
+          </a:stretch>
+        </p:blipFill>
+        <p:spPr>
+          <a:xfrm>
+            <a:off x="5751535" y="1543833"/>
+            <a:ext cx="914400" cy="914400"/>
+          </a:xfrm>
+          <a:prstGeom prst="rect">
+            <a:avLst/>
+          </a:prstGeom>
+        </p:spPr>
+      </p:pic>
+      <p:sp>
+        <p:nvSpPr>
+          <p:cNvPr id="9" name="ZoneTexte 8">
+            <a:extLst>
+              <a:ext uri="{FF2B5EF4-FFF2-40B4-BE49-F238E27FC236}">
+                <a16:creationId xmlns:a16="http://schemas.microsoft.com/office/drawing/2014/main" id="{4BDC7CFD-1B07-1AE4-08D2-E53F4DB67565}"/>
+              </a:ext>
+            </a:extLst>
+          </p:cNvPr>
+          <p:cNvSpPr txBox="1"/>
+          <p:nvPr/>
+        </p:nvSpPr>
+        <p:spPr>
+          <a:xfrm>
+            <a:off x="3231813" y="2301842"/>
+            <a:ext cx="1168525" cy="369332"/>
+          </a:xfrm>
+          <a:prstGeom prst="rect">
+            <a:avLst/>
+          </a:prstGeom>
+          <a:noFill/>
+        </p:spPr>
+        <p:txBody>
+          <a:bodyPr wrap="none" rtlCol="0">
+            <a:spAutoFit/>
+          </a:bodyPr>
+          <a:lstStyle/>
+          <a:p>
+            <a:r>
+              <a:rPr lang="fr-FR" dirty="0"/>
+              <a:t>MUN.CSV</a:t>
+            </a:r>
+          </a:p>
+        </p:txBody>
+      </p:sp>
+      <p:sp>
+        <p:nvSpPr>
+          <p:cNvPr id="10" name="ZoneTexte 9">
+            <a:extLst>
+              <a:ext uri="{FF2B5EF4-FFF2-40B4-BE49-F238E27FC236}">
+                <a16:creationId xmlns:a16="http://schemas.microsoft.com/office/drawing/2014/main" id="{48E6D30D-5A95-6485-6B10-55A273B3AAB8}"/>
+              </a:ext>
+            </a:extLst>
+          </p:cNvPr>
+          <p:cNvSpPr txBox="1"/>
+          <p:nvPr/>
+        </p:nvSpPr>
+        <p:spPr>
+          <a:xfrm>
+            <a:off x="5444646" y="2317500"/>
+            <a:ext cx="2449388" cy="369332"/>
+          </a:xfrm>
+          <a:prstGeom prst="rect">
+            <a:avLst/>
+          </a:prstGeom>
+          <a:noFill/>
+        </p:spPr>
+        <p:txBody>
+          <a:bodyPr wrap="none" rtlCol="0">
+            <a:spAutoFit/>
+          </a:bodyPr>
+          <a:lstStyle/>
+          <a:p>
+            <a:r>
+              <a:rPr lang="fr-FR" dirty="0" err="1"/>
+              <a:t>SqlServer</a:t>
+            </a:r>
+            <a:r>
+              <a:rPr lang="fr-FR" dirty="0"/>
+              <a:t>/</a:t>
+            </a:r>
+            <a:r>
+              <a:rPr lang="fr-FR" dirty="0" err="1"/>
+              <a:t>municipalits</a:t>
+            </a:r>
+            <a:endParaRPr lang="fr-FR" dirty="0"/>
+          </a:p>
+        </p:txBody>
+      </p:sp>
+    </p:spTree>
+    <p:extLst>
+      <p:ext uri="{BB962C8B-B14F-4D97-AF65-F5344CB8AC3E}">
+        <p14:creationId xmlns:p14="http://schemas.microsoft.com/office/powerpoint/2010/main" val="3678224188"/>
       </p:ext>
     </p:extLst>
   </p:cSld>
